--- a/УПСИС_Задание_№10.pptx
+++ b/УПСИС_Задание_№10.pptx
@@ -27,21 +27,21 @@
   <p:notesSz cx="6858000" cy="9144000"/>
   <p:embeddedFontLst>
     <p:embeddedFont>
-      <p:font typeface="Play" panose="020B0604020202020204" charset="0"/>
+      <p:font typeface="Calibri" panose="020F0502020204030204" pitchFamily="34" charset="0"/>
       <p:regular r:id="rId17"/>
       <p:bold r:id="rId18"/>
-    </p:embeddedFont>
-    <p:embeddedFont>
-      <p:font typeface="Calibri" panose="020F0502020204030204" pitchFamily="34" charset="0"/>
-      <p:regular r:id="rId19"/>
-      <p:bold r:id="rId20"/>
-      <p:italic r:id="rId21"/>
-      <p:boldItalic r:id="rId22"/>
+      <p:italic r:id="rId19"/>
+      <p:boldItalic r:id="rId20"/>
     </p:embeddedFont>
     <p:embeddedFont>
       <p:font typeface="Calibri Light" panose="020F0302020204030204" pitchFamily="34" charset="0"/>
+      <p:regular r:id="rId21"/>
+      <p:italic r:id="rId22"/>
+    </p:embeddedFont>
+    <p:embeddedFont>
+      <p:font typeface="Play" panose="020B0604020202020204" charset="0"/>
       <p:regular r:id="rId23"/>
-      <p:italic r:id="rId24"/>
+      <p:bold r:id="rId24"/>
     </p:embeddedFont>
   </p:embeddedFontLst>
   <p:defaultTextStyle>
@@ -155,7 +155,7 @@
       </p15:sldGuideLst>
     </p:ext>
     <p:ext uri="GoogleSlidesCustomDataVersion2">
-      <go:slidesCustomData xmlns:go="http://customooxmlschemas.google.com/" xmlns:ahyp="http://schemas.microsoft.com/office/drawing/2018/hyperlinkcolor" xmlns:p15="http://schemas.microsoft.com/office/powerpoint/2012/main" xmlns:p14="http://schemas.microsoft.com/office/powerpoint/2010/main" xmlns:com="http://schemas.openxmlformats.org/drawingml/2006/compatibility" xmlns:pvml="urn:schemas-microsoft-com:office:powerpoint" xmlns:v="urn:schemas-microsoft-com:vml" xmlns:o="urn:schemas-microsoft-com:office:office" xmlns:dgm="http://schemas.openxmlformats.org/drawingml/2006/diagram" xmlns:c="http://schemas.openxmlformats.org/drawingml/2006/chart" xmlns:mv="urn:schemas-microsoft-com:mac:vml" xmlns:mc="http://schemas.openxmlformats.org/markup-compatibility/2006" xmlns="" r:id="rId27" roundtripDataSignature="AMtx7miNhwmxLIegI6rpDKZqM9GIUoJSVg=="/>
+      <go:slidesCustomData xmlns="" xmlns:mc="http://schemas.openxmlformats.org/markup-compatibility/2006" xmlns:mv="urn:schemas-microsoft-com:mac:vml" xmlns:c="http://schemas.openxmlformats.org/drawingml/2006/chart" xmlns:dgm="http://schemas.openxmlformats.org/drawingml/2006/diagram" xmlns:o="urn:schemas-microsoft-com:office:office" xmlns:v="urn:schemas-microsoft-com:vml" xmlns:pvml="urn:schemas-microsoft-com:office:powerpoint" xmlns:com="http://schemas.openxmlformats.org/drawingml/2006/compatibility" xmlns:p14="http://schemas.microsoft.com/office/powerpoint/2010/main" xmlns:p15="http://schemas.microsoft.com/office/powerpoint/2012/main" xmlns:ahyp="http://schemas.microsoft.com/office/drawing/2018/hyperlinkcolor" xmlns:go="http://customooxmlschemas.google.com/" r:id="rId27" roundtripDataSignature="AMtx7miNhwmxLIegI6rpDKZqM9GIUoJSVg=="/>
     </p:ext>
   </p:extLst>
 </p:presentation>
@@ -7176,12 +7176,6 @@
               </a:rPr>
               <a:t>;</a:t>
             </a:r>
-            <a:endParaRPr lang="ru-RU" sz="2400" dirty="0" smtClean="0">
-              <a:latin typeface="Times New Roman"/>
-              <a:ea typeface="Times New Roman"/>
-              <a:cs typeface="Times New Roman"/>
-              <a:sym typeface="Times New Roman"/>
-            </a:endParaRPr>
           </a:p>
           <a:p>
             <a:pPr lvl="0" algn="just">
@@ -8418,7 +8412,31 @@
                 <a:cs typeface="Times New Roman"/>
                 <a:sym typeface="Times New Roman"/>
               </a:rPr>
-              <a:t>азработать веб-сервис для выявления вероятности генерации текста ИИ с использованием лингвистической модели и интерпретируемого анализа.</a:t>
+              <a:t>азработать веб-сервис для выявления вероятности генерации текста ИИ с использованием </a:t>
+            </a:r>
+            <a:r>
+              <a:rPr lang="ru-RU" sz="2400" b="0" i="0" u="none" strike="noStrike" cap="none" smtClean="0">
+                <a:solidFill>
+                  <a:schemeClr val="dk1"/>
+                </a:solidFill>
+                <a:latin typeface="Times New Roman"/>
+                <a:ea typeface="Times New Roman"/>
+                <a:cs typeface="Times New Roman"/>
+                <a:sym typeface="Times New Roman"/>
+              </a:rPr>
+              <a:t>лингвистической </a:t>
+            </a:r>
+            <a:r>
+              <a:rPr lang="ru-RU" sz="2400" b="0" i="0" u="none" strike="noStrike" cap="none" smtClean="0">
+                <a:solidFill>
+                  <a:schemeClr val="dk1"/>
+                </a:solidFill>
+                <a:latin typeface="Times New Roman"/>
+                <a:ea typeface="Times New Roman"/>
+                <a:cs typeface="Times New Roman"/>
+                <a:sym typeface="Times New Roman"/>
+              </a:rPr>
+              <a:t>модели.</a:t>
             </a:r>
             <a:endParaRPr dirty="0"/>
           </a:p>
